--- a/Gato.pptx
+++ b/Gato.pptx
@@ -13,8 +13,9 @@
     <p:sldId id="261" r:id="rId7"/>
     <p:sldId id="262" r:id="rId8"/>
     <p:sldId id="264" r:id="rId9"/>
-    <p:sldId id="265" r:id="rId10"/>
-    <p:sldId id="263" r:id="rId11"/>
+    <p:sldId id="266" r:id="rId10"/>
+    <p:sldId id="265" r:id="rId11"/>
+    <p:sldId id="263" r:id="rId12"/>
   </p:sldIdLst>
   <p:sldSz cx="12192000" cy="6858000"/>
   <p:notesSz cx="6858000" cy="9144000"/>
@@ -113,6 +114,11 @@
       </a:defRPr>
     </a:lvl9pPr>
   </p:defaultTextStyle>
+  <p:extLst>
+    <p:ext uri="{EFAFB233-063F-42B5-8137-9DF3F51BA10A}">
+      <p15:sldGuideLst xmlns:p15="http://schemas.microsoft.com/office/powerpoint/2012/main"/>
+    </p:ext>
+  </p:extLst>
 </p:presentation>
 </file>
 
@@ -166,7 +172,7 @@
           <a:noFill/>
           <a:extLst>
             <a:ext uri="{909E8E84-426E-40dd-AFC4-6F175D3DCCD1}">
-              <a14:hiddenFill xmlns:a14="http://schemas.microsoft.com/office/drawing/2010/main" xmlns="">
+              <a14:hiddenFill xmlns="" xmlns:a14="http://schemas.microsoft.com/office/drawing/2010/main">
                 <a:solidFill>
                   <a:srgbClr val="FFFFFF"/>
                 </a:solidFill>
@@ -226,7 +232,7 @@
             </a:ln>
             <a:extLst>
               <a:ext uri="{91240B29-F687-4f45-9708-019B960494DF}">
-                <a14:hiddenLine xmlns:a14="http://schemas.microsoft.com/office/drawing/2010/main" xmlns="" w="9525">
+                <a14:hiddenLine xmlns="" xmlns:a14="http://schemas.microsoft.com/office/drawing/2010/main" w="9525">
                   <a:solidFill>
                     <a:srgbClr val="000000"/>
                   </a:solidFill>
@@ -316,7 +322,7 @@
             </a:ln>
             <a:extLst>
               <a:ext uri="{91240B29-F687-4f45-9708-019B960494DF}">
-                <a14:hiddenLine xmlns:a14="http://schemas.microsoft.com/office/drawing/2010/main" xmlns="" w="9525">
+                <a14:hiddenLine xmlns="" xmlns:a14="http://schemas.microsoft.com/office/drawing/2010/main" w="9525">
                   <a:solidFill>
                     <a:srgbClr val="000000"/>
                   </a:solidFill>
@@ -406,7 +412,7 @@
             </a:ln>
             <a:extLst>
               <a:ext uri="{91240B29-F687-4f45-9708-019B960494DF}">
-                <a14:hiddenLine xmlns:a14="http://schemas.microsoft.com/office/drawing/2010/main" xmlns="" w="9525">
+                <a14:hiddenLine xmlns="" xmlns:a14="http://schemas.microsoft.com/office/drawing/2010/main" w="9525">
                   <a:solidFill>
                     <a:srgbClr val="000000"/>
                   </a:solidFill>
@@ -440,7 +446,7 @@
             </a:ln>
             <a:extLst>
               <a:ext uri="{91240B29-F687-4f45-9708-019B960494DF}">
-                <a14:hiddenLine xmlns:a14="http://schemas.microsoft.com/office/drawing/2010/main" xmlns="" w="9525">
+                <a14:hiddenLine xmlns="" xmlns:a14="http://schemas.microsoft.com/office/drawing/2010/main" w="9525">
                   <a:solidFill>
                     <a:srgbClr val="000000"/>
                   </a:solidFill>
@@ -530,7 +536,7 @@
             </a:ln>
             <a:extLst>
               <a:ext uri="{91240B29-F687-4f45-9708-019B960494DF}">
-                <a14:hiddenLine xmlns:a14="http://schemas.microsoft.com/office/drawing/2010/main" xmlns="" w="9525">
+                <a14:hiddenLine xmlns="" xmlns:a14="http://schemas.microsoft.com/office/drawing/2010/main" w="9525">
                   <a:solidFill>
                     <a:srgbClr val="000000"/>
                   </a:solidFill>
@@ -592,7 +598,7 @@
             </a:ln>
             <a:extLst>
               <a:ext uri="{91240B29-F687-4f45-9708-019B960494DF}">
-                <a14:hiddenLine xmlns:a14="http://schemas.microsoft.com/office/drawing/2010/main" xmlns="" w="9525">
+                <a14:hiddenLine xmlns="" xmlns:a14="http://schemas.microsoft.com/office/drawing/2010/main" w="9525">
                   <a:solidFill>
                     <a:srgbClr val="000000"/>
                   </a:solidFill>
@@ -654,7 +660,7 @@
             </a:ln>
             <a:extLst>
               <a:ext uri="{91240B29-F687-4f45-9708-019B960494DF}">
-                <a14:hiddenLine xmlns:a14="http://schemas.microsoft.com/office/drawing/2010/main" xmlns="" w="9525">
+                <a14:hiddenLine xmlns="" xmlns:a14="http://schemas.microsoft.com/office/drawing/2010/main" w="9525">
                   <a:solidFill>
                     <a:srgbClr val="000000"/>
                   </a:solidFill>
@@ -744,7 +750,7 @@
             </a:ln>
             <a:extLst>
               <a:ext uri="{91240B29-F687-4f45-9708-019B960494DF}">
-                <a14:hiddenLine xmlns:a14="http://schemas.microsoft.com/office/drawing/2010/main" xmlns="" w="9525">
+                <a14:hiddenLine xmlns="" xmlns:a14="http://schemas.microsoft.com/office/drawing/2010/main" w="9525">
                   <a:solidFill>
                     <a:srgbClr val="000000"/>
                   </a:solidFill>
@@ -806,7 +812,7 @@
             </a:ln>
             <a:extLst>
               <a:ext uri="{91240B29-F687-4f45-9708-019B960494DF}">
-                <a14:hiddenLine xmlns:a14="http://schemas.microsoft.com/office/drawing/2010/main" xmlns="" w="9525">
+                <a14:hiddenLine xmlns="" xmlns:a14="http://schemas.microsoft.com/office/drawing/2010/main" w="9525">
                   <a:solidFill>
                     <a:srgbClr val="000000"/>
                   </a:solidFill>
@@ -868,7 +874,7 @@
             </a:ln>
             <a:extLst>
               <a:ext uri="{91240B29-F687-4f45-9708-019B960494DF}">
-                <a14:hiddenLine xmlns:a14="http://schemas.microsoft.com/office/drawing/2010/main" xmlns="" w="9525">
+                <a14:hiddenLine xmlns="" xmlns:a14="http://schemas.microsoft.com/office/drawing/2010/main" w="9525">
                   <a:solidFill>
                     <a:srgbClr val="000000"/>
                   </a:solidFill>
@@ -958,7 +964,7 @@
             </a:ln>
             <a:extLst>
               <a:ext uri="{91240B29-F687-4f45-9708-019B960494DF}">
-                <a14:hiddenLine xmlns:a14="http://schemas.microsoft.com/office/drawing/2010/main" xmlns="" w="9525">
+                <a14:hiddenLine xmlns="" xmlns:a14="http://schemas.microsoft.com/office/drawing/2010/main" w="9525">
                   <a:solidFill>
                     <a:srgbClr val="000000"/>
                   </a:solidFill>
@@ -1048,7 +1054,7 @@
             </a:ln>
             <a:extLst>
               <a:ext uri="{91240B29-F687-4f45-9708-019B960494DF}">
-                <a14:hiddenLine xmlns:a14="http://schemas.microsoft.com/office/drawing/2010/main" xmlns="" w="9525">
+                <a14:hiddenLine xmlns="" xmlns:a14="http://schemas.microsoft.com/office/drawing/2010/main" w="9525">
                   <a:solidFill>
                     <a:srgbClr val="000000"/>
                   </a:solidFill>
@@ -1110,7 +1116,7 @@
             </a:ln>
             <a:extLst>
               <a:ext uri="{91240B29-F687-4f45-9708-019B960494DF}">
-                <a14:hiddenLine xmlns:a14="http://schemas.microsoft.com/office/drawing/2010/main" xmlns="" w="9525">
+                <a14:hiddenLine xmlns="" xmlns:a14="http://schemas.microsoft.com/office/drawing/2010/main" w="9525">
                   <a:solidFill>
                     <a:srgbClr val="000000"/>
                   </a:solidFill>
@@ -1220,7 +1226,7 @@
             </a:ln>
             <a:extLst>
               <a:ext uri="{91240B29-F687-4f45-9708-019B960494DF}">
-                <a14:hiddenLine xmlns:a14="http://schemas.microsoft.com/office/drawing/2010/main" xmlns="" w="9525">
+                <a14:hiddenLine xmlns="" xmlns:a14="http://schemas.microsoft.com/office/drawing/2010/main" w="9525">
                   <a:solidFill>
                     <a:srgbClr val="000000"/>
                   </a:solidFill>
@@ -1282,7 +1288,7 @@
             </a:ln>
             <a:extLst>
               <a:ext uri="{91240B29-F687-4f45-9708-019B960494DF}">
-                <a14:hiddenLine xmlns:a14="http://schemas.microsoft.com/office/drawing/2010/main" xmlns="" w="9525">
+                <a14:hiddenLine xmlns="" xmlns:a14="http://schemas.microsoft.com/office/drawing/2010/main" w="9525">
                   <a:solidFill>
                     <a:srgbClr val="000000"/>
                   </a:solidFill>
@@ -1372,7 +1378,7 @@
             </a:ln>
             <a:extLst>
               <a:ext uri="{91240B29-F687-4f45-9708-019B960494DF}">
-                <a14:hiddenLine xmlns:a14="http://schemas.microsoft.com/office/drawing/2010/main" xmlns="" w="9525">
+                <a14:hiddenLine xmlns="" xmlns:a14="http://schemas.microsoft.com/office/drawing/2010/main" w="9525">
                   <a:solidFill>
                     <a:srgbClr val="000000"/>
                   </a:solidFill>
@@ -1462,7 +1468,7 @@
             </a:ln>
             <a:extLst>
               <a:ext uri="{91240B29-F687-4f45-9708-019B960494DF}">
-                <a14:hiddenLine xmlns:a14="http://schemas.microsoft.com/office/drawing/2010/main" xmlns="" w="9525">
+                <a14:hiddenLine xmlns="" xmlns:a14="http://schemas.microsoft.com/office/drawing/2010/main" w="9525">
                   <a:solidFill>
                     <a:srgbClr val="000000"/>
                   </a:solidFill>
@@ -1524,7 +1530,7 @@
             </a:ln>
             <a:extLst>
               <a:ext uri="{91240B29-F687-4f45-9708-019B960494DF}">
-                <a14:hiddenLine xmlns:a14="http://schemas.microsoft.com/office/drawing/2010/main" xmlns="" w="9525">
+                <a14:hiddenLine xmlns="" xmlns:a14="http://schemas.microsoft.com/office/drawing/2010/main" w="9525">
                   <a:solidFill>
                     <a:srgbClr val="000000"/>
                   </a:solidFill>
@@ -1614,7 +1620,7 @@
             </a:ln>
             <a:extLst>
               <a:ext uri="{91240B29-F687-4f45-9708-019B960494DF}">
-                <a14:hiddenLine xmlns:a14="http://schemas.microsoft.com/office/drawing/2010/main" xmlns="" w="9525">
+                <a14:hiddenLine xmlns="" xmlns:a14="http://schemas.microsoft.com/office/drawing/2010/main" w="9525">
                   <a:solidFill>
                     <a:srgbClr val="000000"/>
                   </a:solidFill>
@@ -1704,7 +1710,7 @@
             </a:ln>
             <a:extLst>
               <a:ext uri="{91240B29-F687-4f45-9708-019B960494DF}">
-                <a14:hiddenLine xmlns:a14="http://schemas.microsoft.com/office/drawing/2010/main" xmlns="" w="9525">
+                <a14:hiddenLine xmlns="" xmlns:a14="http://schemas.microsoft.com/office/drawing/2010/main" w="9525">
                   <a:solidFill>
                     <a:srgbClr val="000000"/>
                   </a:solidFill>
@@ -1760,7 +1766,7 @@
             </a:ln>
             <a:extLst>
               <a:ext uri="{91240B29-F687-4f45-9708-019B960494DF}">
-                <a14:hiddenLine xmlns:a14="http://schemas.microsoft.com/office/drawing/2010/main" xmlns="" w="9525">
+                <a14:hiddenLine xmlns="" xmlns:a14="http://schemas.microsoft.com/office/drawing/2010/main" w="9525">
                   <a:solidFill>
                     <a:srgbClr val="000000"/>
                   </a:solidFill>
@@ -1850,7 +1856,7 @@
             </a:ln>
             <a:extLst>
               <a:ext uri="{91240B29-F687-4f45-9708-019B960494DF}">
-                <a14:hiddenLine xmlns:a14="http://schemas.microsoft.com/office/drawing/2010/main" xmlns="" w="9525">
+                <a14:hiddenLine xmlns="" xmlns:a14="http://schemas.microsoft.com/office/drawing/2010/main" w="9525">
                   <a:solidFill>
                     <a:srgbClr val="000000"/>
                   </a:solidFill>
@@ -1906,7 +1912,7 @@
             </a:ln>
             <a:extLst>
               <a:ext uri="{91240B29-F687-4f45-9708-019B960494DF}">
-                <a14:hiddenLine xmlns:a14="http://schemas.microsoft.com/office/drawing/2010/main" xmlns="" w="9525">
+                <a14:hiddenLine xmlns="" xmlns:a14="http://schemas.microsoft.com/office/drawing/2010/main" w="9525">
                   <a:solidFill>
                     <a:srgbClr val="000000"/>
                   </a:solidFill>
@@ -1996,7 +2002,7 @@
             </a:ln>
             <a:extLst>
               <a:ext uri="{91240B29-F687-4f45-9708-019B960494DF}">
-                <a14:hiddenLine xmlns:a14="http://schemas.microsoft.com/office/drawing/2010/main" xmlns="" w="9525">
+                <a14:hiddenLine xmlns="" xmlns:a14="http://schemas.microsoft.com/office/drawing/2010/main" w="9525">
                   <a:solidFill>
                     <a:srgbClr val="000000"/>
                   </a:solidFill>
@@ -2064,7 +2070,7 @@
             </a:ln>
             <a:extLst>
               <a:ext uri="{91240B29-F687-4f45-9708-019B960494DF}">
-                <a14:hiddenLine xmlns:a14="http://schemas.microsoft.com/office/drawing/2010/main" xmlns="" w="9525">
+                <a14:hiddenLine xmlns="" xmlns:a14="http://schemas.microsoft.com/office/drawing/2010/main" w="9525">
                   <a:solidFill>
                     <a:srgbClr val="000000"/>
                   </a:solidFill>
@@ -2154,7 +2160,7 @@
             </a:ln>
             <a:extLst>
               <a:ext uri="{91240B29-F687-4f45-9708-019B960494DF}">
-                <a14:hiddenLine xmlns:a14="http://schemas.microsoft.com/office/drawing/2010/main" xmlns="" w="9525">
+                <a14:hiddenLine xmlns="" xmlns:a14="http://schemas.microsoft.com/office/drawing/2010/main" w="9525">
                   <a:solidFill>
                     <a:srgbClr val="000000"/>
                   </a:solidFill>
@@ -2222,7 +2228,7 @@
             </a:ln>
             <a:extLst>
               <a:ext uri="{91240B29-F687-4f45-9708-019B960494DF}">
-                <a14:hiddenLine xmlns:a14="http://schemas.microsoft.com/office/drawing/2010/main" xmlns="" w="9525">
+                <a14:hiddenLine xmlns="" xmlns:a14="http://schemas.microsoft.com/office/drawing/2010/main" w="9525">
                   <a:solidFill>
                     <a:srgbClr val="000000"/>
                   </a:solidFill>
@@ -2312,7 +2318,7 @@
             </a:ln>
             <a:extLst>
               <a:ext uri="{91240B29-F687-4f45-9708-019B960494DF}">
-                <a14:hiddenLine xmlns:a14="http://schemas.microsoft.com/office/drawing/2010/main" xmlns="" w="9525">
+                <a14:hiddenLine xmlns="" xmlns:a14="http://schemas.microsoft.com/office/drawing/2010/main" w="9525">
                   <a:solidFill>
                     <a:srgbClr val="000000"/>
                   </a:solidFill>
@@ -2346,7 +2352,7 @@
             </a:ln>
             <a:extLst>
               <a:ext uri="{91240B29-F687-4f45-9708-019B960494DF}">
-                <a14:hiddenLine xmlns:a14="http://schemas.microsoft.com/office/drawing/2010/main" xmlns="" w="9525">
+                <a14:hiddenLine xmlns="" xmlns:a14="http://schemas.microsoft.com/office/drawing/2010/main" w="9525">
                   <a:solidFill>
                     <a:srgbClr val="000000"/>
                   </a:solidFill>
@@ -2436,7 +2442,7 @@
             </a:ln>
             <a:extLst>
               <a:ext uri="{91240B29-F687-4f45-9708-019B960494DF}">
-                <a14:hiddenLine xmlns:a14="http://schemas.microsoft.com/office/drawing/2010/main" xmlns="" w="9525">
+                <a14:hiddenLine xmlns="" xmlns:a14="http://schemas.microsoft.com/office/drawing/2010/main" w="9525">
                   <a:solidFill>
                     <a:srgbClr val="000000"/>
                   </a:solidFill>
@@ -2498,7 +2504,7 @@
             </a:ln>
             <a:extLst>
               <a:ext uri="{91240B29-F687-4f45-9708-019B960494DF}">
-                <a14:hiddenLine xmlns:a14="http://schemas.microsoft.com/office/drawing/2010/main" xmlns="" w="9525">
+                <a14:hiddenLine xmlns="" xmlns:a14="http://schemas.microsoft.com/office/drawing/2010/main" w="9525">
                   <a:solidFill>
                     <a:srgbClr val="000000"/>
                   </a:solidFill>
@@ -2560,7 +2566,7 @@
             </a:ln>
             <a:extLst>
               <a:ext uri="{91240B29-F687-4f45-9708-019B960494DF}">
-                <a14:hiddenLine xmlns:a14="http://schemas.microsoft.com/office/drawing/2010/main" xmlns="" w="9525">
+                <a14:hiddenLine xmlns="" xmlns:a14="http://schemas.microsoft.com/office/drawing/2010/main" w="9525">
                   <a:solidFill>
                     <a:srgbClr val="000000"/>
                   </a:solidFill>
@@ -2650,7 +2656,7 @@
             </a:ln>
             <a:extLst>
               <a:ext uri="{91240B29-F687-4f45-9708-019B960494DF}">
-                <a14:hiddenLine xmlns:a14="http://schemas.microsoft.com/office/drawing/2010/main" xmlns="" w="9525">
+                <a14:hiddenLine xmlns="" xmlns:a14="http://schemas.microsoft.com/office/drawing/2010/main" w="9525">
                   <a:solidFill>
                     <a:srgbClr val="000000"/>
                   </a:solidFill>
@@ -2718,7 +2724,7 @@
             </a:ln>
             <a:extLst>
               <a:ext uri="{91240B29-F687-4f45-9708-019B960494DF}">
-                <a14:hiddenLine xmlns:a14="http://schemas.microsoft.com/office/drawing/2010/main" xmlns="" w="9525">
+                <a14:hiddenLine xmlns="" xmlns:a14="http://schemas.microsoft.com/office/drawing/2010/main" w="9525">
                   <a:solidFill>
                     <a:srgbClr val="000000"/>
                   </a:solidFill>
@@ -2780,7 +2786,7 @@
             </a:ln>
             <a:extLst>
               <a:ext uri="{91240B29-F687-4f45-9708-019B960494DF}">
-                <a14:hiddenLine xmlns:a14="http://schemas.microsoft.com/office/drawing/2010/main" xmlns="" w="9525">
+                <a14:hiddenLine xmlns="" xmlns:a14="http://schemas.microsoft.com/office/drawing/2010/main" w="9525">
                   <a:solidFill>
                     <a:srgbClr val="000000"/>
                   </a:solidFill>
@@ -2870,7 +2876,7 @@
             </a:ln>
             <a:extLst>
               <a:ext uri="{91240B29-F687-4f45-9708-019B960494DF}">
-                <a14:hiddenLine xmlns:a14="http://schemas.microsoft.com/office/drawing/2010/main" xmlns="" w="9525">
+                <a14:hiddenLine xmlns="" xmlns:a14="http://schemas.microsoft.com/office/drawing/2010/main" w="9525">
                   <a:solidFill>
                     <a:srgbClr val="000000"/>
                   </a:solidFill>
@@ -2932,7 +2938,7 @@
             </a:ln>
             <a:extLst>
               <a:ext uri="{91240B29-F687-4f45-9708-019B960494DF}">
-                <a14:hiddenLine xmlns:a14="http://schemas.microsoft.com/office/drawing/2010/main" xmlns="" w="9525">
+                <a14:hiddenLine xmlns="" xmlns:a14="http://schemas.microsoft.com/office/drawing/2010/main" w="9525">
                   <a:solidFill>
                     <a:srgbClr val="000000"/>
                   </a:solidFill>
@@ -3022,7 +3028,7 @@
             </a:ln>
             <a:extLst>
               <a:ext uri="{91240B29-F687-4f45-9708-019B960494DF}">
-                <a14:hiddenLine xmlns:a14="http://schemas.microsoft.com/office/drawing/2010/main" xmlns="" w="9525">
+                <a14:hiddenLine xmlns="" xmlns:a14="http://schemas.microsoft.com/office/drawing/2010/main" w="9525">
                   <a:solidFill>
                     <a:srgbClr val="000000"/>
                   </a:solidFill>
@@ -3084,7 +3090,7 @@
             </a:ln>
             <a:extLst>
               <a:ext uri="{91240B29-F687-4f45-9708-019B960494DF}">
-                <a14:hiddenLine xmlns:a14="http://schemas.microsoft.com/office/drawing/2010/main" xmlns="" w="9525">
+                <a14:hiddenLine xmlns="" xmlns:a14="http://schemas.microsoft.com/office/drawing/2010/main" w="9525">
                   <a:solidFill>
                     <a:srgbClr val="000000"/>
                   </a:solidFill>
@@ -3174,7 +3180,7 @@
             </a:ln>
             <a:extLst>
               <a:ext uri="{91240B29-F687-4f45-9708-019B960494DF}">
-                <a14:hiddenLine xmlns:a14="http://schemas.microsoft.com/office/drawing/2010/main" xmlns="" w="9525">
+                <a14:hiddenLine xmlns="" xmlns:a14="http://schemas.microsoft.com/office/drawing/2010/main" w="9525">
                   <a:solidFill>
                     <a:srgbClr val="000000"/>
                   </a:solidFill>
@@ -3208,7 +3214,7 @@
             </a:ln>
             <a:extLst>
               <a:ext uri="{91240B29-F687-4f45-9708-019B960494DF}">
-                <a14:hiddenLine xmlns:a14="http://schemas.microsoft.com/office/drawing/2010/main" xmlns="" w="9525">
+                <a14:hiddenLine xmlns="" xmlns:a14="http://schemas.microsoft.com/office/drawing/2010/main" w="9525">
                   <a:solidFill>
                     <a:srgbClr val="000000"/>
                   </a:solidFill>
@@ -3273,7 +3279,7 @@
             </a:ln>
             <a:extLst>
               <a:ext uri="{91240B29-F687-4f45-9708-019B960494DF}">
-                <a14:hiddenLine xmlns:a14="http://schemas.microsoft.com/office/drawing/2010/main" xmlns="" w="9525">
+                <a14:hiddenLine xmlns="" xmlns:a14="http://schemas.microsoft.com/office/drawing/2010/main" w="9525">
                   <a:solidFill>
                     <a:srgbClr val="000000"/>
                   </a:solidFill>
@@ -3363,7 +3369,7 @@
             </a:ln>
             <a:extLst>
               <a:ext uri="{91240B29-F687-4f45-9708-019B960494DF}">
-                <a14:hiddenLine xmlns:a14="http://schemas.microsoft.com/office/drawing/2010/main" xmlns="" w="9525">
+                <a14:hiddenLine xmlns="" xmlns:a14="http://schemas.microsoft.com/office/drawing/2010/main" w="9525">
                   <a:solidFill>
                     <a:srgbClr val="000000"/>
                   </a:solidFill>
@@ -3425,7 +3431,7 @@
             </a:ln>
             <a:extLst>
               <a:ext uri="{91240B29-F687-4f45-9708-019B960494DF}">
-                <a14:hiddenLine xmlns:a14="http://schemas.microsoft.com/office/drawing/2010/main" xmlns="" w="9525">
+                <a14:hiddenLine xmlns="" xmlns:a14="http://schemas.microsoft.com/office/drawing/2010/main" w="9525">
                   <a:solidFill>
                     <a:srgbClr val="000000"/>
                   </a:solidFill>
@@ -3515,7 +3521,7 @@
             </a:ln>
             <a:extLst>
               <a:ext uri="{91240B29-F687-4f45-9708-019B960494DF}">
-                <a14:hiddenLine xmlns:a14="http://schemas.microsoft.com/office/drawing/2010/main" xmlns="" w="9525">
+                <a14:hiddenLine xmlns="" xmlns:a14="http://schemas.microsoft.com/office/drawing/2010/main" w="9525">
                   <a:solidFill>
                     <a:srgbClr val="000000"/>
                   </a:solidFill>
@@ -3605,7 +3611,7 @@
             </a:ln>
             <a:extLst>
               <a:ext uri="{91240B29-F687-4f45-9708-019B960494DF}">
-                <a14:hiddenLine xmlns:a14="http://schemas.microsoft.com/office/drawing/2010/main" xmlns="" w="9525">
+                <a14:hiddenLine xmlns="" xmlns:a14="http://schemas.microsoft.com/office/drawing/2010/main" w="9525">
                   <a:solidFill>
                     <a:srgbClr val="000000"/>
                   </a:solidFill>
@@ -3670,7 +3676,7 @@
             </a:ln>
             <a:extLst>
               <a:ext uri="{91240B29-F687-4f45-9708-019B960494DF}">
-                <a14:hiddenLine xmlns:a14="http://schemas.microsoft.com/office/drawing/2010/main" xmlns="" w="9525">
+                <a14:hiddenLine xmlns="" xmlns:a14="http://schemas.microsoft.com/office/drawing/2010/main" w="9525">
                   <a:solidFill>
                     <a:srgbClr val="000000"/>
                   </a:solidFill>
@@ -3732,7 +3738,7 @@
             </a:ln>
             <a:extLst>
               <a:ext uri="{91240B29-F687-4f45-9708-019B960494DF}">
-                <a14:hiddenLine xmlns:a14="http://schemas.microsoft.com/office/drawing/2010/main" xmlns="" w="9525">
+                <a14:hiddenLine xmlns="" xmlns:a14="http://schemas.microsoft.com/office/drawing/2010/main" w="9525">
                   <a:solidFill>
                     <a:srgbClr val="000000"/>
                   </a:solidFill>
@@ -3822,7 +3828,7 @@
             </a:ln>
             <a:extLst>
               <a:ext uri="{91240B29-F687-4f45-9708-019B960494DF}">
-                <a14:hiddenLine xmlns:a14="http://schemas.microsoft.com/office/drawing/2010/main" xmlns="" w="9525">
+                <a14:hiddenLine xmlns="" xmlns:a14="http://schemas.microsoft.com/office/drawing/2010/main" w="9525">
                   <a:solidFill>
                     <a:srgbClr val="000000"/>
                   </a:solidFill>
@@ -3912,7 +3918,7 @@
             </a:ln>
             <a:extLst>
               <a:ext uri="{91240B29-F687-4f45-9708-019B960494DF}">
-                <a14:hiddenLine xmlns:a14="http://schemas.microsoft.com/office/drawing/2010/main" xmlns="" w="9525">
+                <a14:hiddenLine xmlns="" xmlns:a14="http://schemas.microsoft.com/office/drawing/2010/main" w="9525">
                   <a:solidFill>
                     <a:srgbClr val="000000"/>
                   </a:solidFill>
@@ -3974,7 +3980,7 @@
             </a:ln>
             <a:extLst>
               <a:ext uri="{91240B29-F687-4f45-9708-019B960494DF}">
-                <a14:hiddenLine xmlns:a14="http://schemas.microsoft.com/office/drawing/2010/main" xmlns="" w="9525">
+                <a14:hiddenLine xmlns="" xmlns:a14="http://schemas.microsoft.com/office/drawing/2010/main" w="9525">
                   <a:solidFill>
                     <a:srgbClr val="000000"/>
                   </a:solidFill>
@@ -4094,7 +4100,7 @@
             </a:ln>
             <a:extLst>
               <a:ext uri="{91240B29-F687-4f45-9708-019B960494DF}">
-                <a14:hiddenLine xmlns:a14="http://schemas.microsoft.com/office/drawing/2010/main" xmlns="" w="9525">
+                <a14:hiddenLine xmlns="" xmlns:a14="http://schemas.microsoft.com/office/drawing/2010/main" w="9525">
                   <a:solidFill>
                     <a:srgbClr val="000000"/>
                   </a:solidFill>
@@ -4162,7 +4168,7 @@
             </a:ln>
             <a:extLst>
               <a:ext uri="{91240B29-F687-4f45-9708-019B960494DF}">
-                <a14:hiddenLine xmlns:a14="http://schemas.microsoft.com/office/drawing/2010/main" xmlns="" w="9525">
+                <a14:hiddenLine xmlns="" xmlns:a14="http://schemas.microsoft.com/office/drawing/2010/main" w="9525">
                   <a:solidFill>
                     <a:srgbClr val="000000"/>
                   </a:solidFill>
@@ -4252,7 +4258,7 @@
             </a:ln>
             <a:extLst>
               <a:ext uri="{91240B29-F687-4f45-9708-019B960494DF}">
-                <a14:hiddenLine xmlns:a14="http://schemas.microsoft.com/office/drawing/2010/main" xmlns="" w="9525">
+                <a14:hiddenLine xmlns="" xmlns:a14="http://schemas.microsoft.com/office/drawing/2010/main" w="9525">
                   <a:solidFill>
                     <a:srgbClr val="000000"/>
                   </a:solidFill>
@@ -4392,7 +4398,7 @@
           <a:p>
             <a:fld id="{48A87A34-81AB-432B-8DAE-1953F412C126}" type="datetimeFigureOut">
               <a:rPr lang="en-US" dirty="0"/>
-              <a:t>12/5/2018</a:t>
+              <a:t>12/7/2018</a:t>
             </a:fld>
             <a:endParaRPr lang="en-US" dirty="0"/>
           </a:p>
@@ -4654,7 +4660,7 @@
           <a:p>
             <a:fld id="{48A87A34-81AB-432B-8DAE-1953F412C126}" type="datetimeFigureOut">
               <a:rPr lang="en-US" dirty="0"/>
-              <a:t>12/5/2018</a:t>
+              <a:t>12/7/2018</a:t>
             </a:fld>
             <a:endParaRPr lang="en-US" dirty="0"/>
           </a:p>
@@ -4845,7 +4851,7 @@
           <a:p>
             <a:fld id="{48A87A34-81AB-432B-8DAE-1953F412C126}" type="datetimeFigureOut">
               <a:rPr lang="en-US" dirty="0"/>
-              <a:t>12/5/2018</a:t>
+              <a:t>12/7/2018</a:t>
             </a:fld>
             <a:endParaRPr lang="en-US" dirty="0"/>
           </a:p>
@@ -5103,7 +5109,7 @@
           <a:p>
             <a:fld id="{48A87A34-81AB-432B-8DAE-1953F412C126}" type="datetimeFigureOut">
               <a:rPr lang="en-US" dirty="0"/>
-              <a:t>12/5/2018</a:t>
+              <a:t>12/7/2018</a:t>
             </a:fld>
             <a:endParaRPr lang="en-US" dirty="0"/>
           </a:p>
@@ -5532,7 +5538,7 @@
           <a:p>
             <a:fld id="{48A87A34-81AB-432B-8DAE-1953F412C126}" type="datetimeFigureOut">
               <a:rPr lang="en-US" dirty="0"/>
-              <a:t>12/5/2018</a:t>
+              <a:t>12/7/2018</a:t>
             </a:fld>
             <a:endParaRPr lang="en-US" dirty="0"/>
           </a:p>
@@ -6073,7 +6079,7 @@
           <a:p>
             <a:fld id="{48A87A34-81AB-432B-8DAE-1953F412C126}" type="datetimeFigureOut">
               <a:rPr lang="en-US" dirty="0"/>
-              <a:t>12/5/2018</a:t>
+              <a:t>12/7/2018</a:t>
             </a:fld>
             <a:endParaRPr lang="en-US" dirty="0"/>
           </a:p>
@@ -6788,7 +6794,7 @@
           <a:p>
             <a:fld id="{48A87A34-81AB-432B-8DAE-1953F412C126}" type="datetimeFigureOut">
               <a:rPr lang="en-US" dirty="0"/>
-              <a:t>12/5/2018</a:t>
+              <a:t>12/7/2018</a:t>
             </a:fld>
             <a:endParaRPr lang="en-US" dirty="0"/>
           </a:p>
@@ -6953,7 +6959,7 @@
           <a:p>
             <a:fld id="{48A87A34-81AB-432B-8DAE-1953F412C126}" type="datetimeFigureOut">
               <a:rPr lang="en-US" dirty="0"/>
-              <a:t>12/5/2018</a:t>
+              <a:t>12/7/2018</a:t>
             </a:fld>
             <a:endParaRPr lang="en-US" dirty="0"/>
           </a:p>
@@ -7128,7 +7134,7 @@
           <a:p>
             <a:fld id="{48A87A34-81AB-432B-8DAE-1953F412C126}" type="datetimeFigureOut">
               <a:rPr lang="en-US" dirty="0"/>
-              <a:t>12/5/2018</a:t>
+              <a:t>12/7/2018</a:t>
             </a:fld>
             <a:endParaRPr lang="en-US" dirty="0"/>
           </a:p>
@@ -7293,7 +7299,7 @@
           <a:p>
             <a:fld id="{48A87A34-81AB-432B-8DAE-1953F412C126}" type="datetimeFigureOut">
               <a:rPr lang="en-US" dirty="0"/>
-              <a:t>12/5/2018</a:t>
+              <a:t>12/7/2018</a:t>
             </a:fld>
             <a:endParaRPr lang="en-US" dirty="0"/>
           </a:p>
@@ -7538,7 +7544,7 @@
           <a:p>
             <a:fld id="{48A87A34-81AB-432B-8DAE-1953F412C126}" type="datetimeFigureOut">
               <a:rPr lang="en-US" dirty="0"/>
-              <a:t>12/5/2018</a:t>
+              <a:t>12/7/2018</a:t>
             </a:fld>
             <a:endParaRPr lang="en-US" dirty="0"/>
           </a:p>
@@ -7765,7 +7771,7 @@
           <a:p>
             <a:fld id="{48A87A34-81AB-432B-8DAE-1953F412C126}" type="datetimeFigureOut">
               <a:rPr lang="en-US" dirty="0"/>
-              <a:t>12/5/2018</a:t>
+              <a:t>12/7/2018</a:t>
             </a:fld>
             <a:endParaRPr lang="en-US" dirty="0"/>
           </a:p>
@@ -8141,7 +8147,7 @@
           <a:p>
             <a:fld id="{48A87A34-81AB-432B-8DAE-1953F412C126}" type="datetimeFigureOut">
               <a:rPr lang="en-US" dirty="0"/>
-              <a:t>12/5/2018</a:t>
+              <a:t>12/7/2018</a:t>
             </a:fld>
             <a:endParaRPr lang="en-US" dirty="0"/>
           </a:p>
@@ -8254,7 +8260,7 @@
           <a:p>
             <a:fld id="{48A87A34-81AB-432B-8DAE-1953F412C126}" type="datetimeFigureOut">
               <a:rPr lang="en-US" dirty="0"/>
-              <a:t>12/5/2018</a:t>
+              <a:t>12/7/2018</a:t>
             </a:fld>
             <a:endParaRPr lang="en-US" dirty="0"/>
           </a:p>
@@ -8344,7 +8350,7 @@
           <a:p>
             <a:fld id="{48A87A34-81AB-432B-8DAE-1953F412C126}" type="datetimeFigureOut">
               <a:rPr lang="en-US" dirty="0"/>
-              <a:t>12/5/2018</a:t>
+              <a:t>12/7/2018</a:t>
             </a:fld>
             <a:endParaRPr lang="en-US" dirty="0"/>
           </a:p>
@@ -8588,7 +8594,7 @@
           <a:p>
             <a:fld id="{48A87A34-81AB-432B-8DAE-1953F412C126}" type="datetimeFigureOut">
               <a:rPr lang="en-US" dirty="0"/>
-              <a:t>12/5/2018</a:t>
+              <a:t>12/7/2018</a:t>
             </a:fld>
             <a:endParaRPr lang="en-US" dirty="0"/>
           </a:p>
@@ -8863,7 +8869,7 @@
           <a:p>
             <a:fld id="{48A87A34-81AB-432B-8DAE-1953F412C126}" type="datetimeFigureOut">
               <a:rPr lang="en-US" dirty="0"/>
-              <a:t>12/5/2018</a:t>
+              <a:t>12/7/2018</a:t>
             </a:fld>
             <a:endParaRPr lang="en-US" dirty="0"/>
           </a:p>
@@ -8974,7 +8980,7 @@
           <a:noFill/>
           <a:extLst>
             <a:ext uri="{909E8E84-426E-40dd-AFC4-6F175D3DCCD1}">
-              <a14:hiddenFill xmlns:a14="http://schemas.microsoft.com/office/drawing/2010/main" xmlns="">
+              <a14:hiddenFill xmlns="" xmlns:a14="http://schemas.microsoft.com/office/drawing/2010/main">
                 <a:solidFill>
                   <a:srgbClr val="FFFFFF"/>
                 </a:solidFill>
@@ -9048,7 +9054,7 @@
               </a:ln>
               <a:extLst>
                 <a:ext uri="{91240B29-F687-4f45-9708-019B960494DF}">
-                  <a14:hiddenLine xmlns:a14="http://schemas.microsoft.com/office/drawing/2010/main" xmlns="" w="9525">
+                  <a14:hiddenLine xmlns="" xmlns:a14="http://schemas.microsoft.com/office/drawing/2010/main" w="9525">
                     <a:solidFill>
                       <a:srgbClr val="000000"/>
                     </a:solidFill>
@@ -9138,7 +9144,7 @@
               </a:ln>
               <a:extLst>
                 <a:ext uri="{91240B29-F687-4f45-9708-019B960494DF}">
-                  <a14:hiddenLine xmlns:a14="http://schemas.microsoft.com/office/drawing/2010/main" xmlns="" w="9525">
+                  <a14:hiddenLine xmlns="" xmlns:a14="http://schemas.microsoft.com/office/drawing/2010/main" w="9525">
                     <a:solidFill>
                       <a:srgbClr val="000000"/>
                     </a:solidFill>
@@ -9228,7 +9234,7 @@
               </a:ln>
               <a:extLst>
                 <a:ext uri="{91240B29-F687-4f45-9708-019B960494DF}">
-                  <a14:hiddenLine xmlns:a14="http://schemas.microsoft.com/office/drawing/2010/main" xmlns="" w="9525">
+                  <a14:hiddenLine xmlns="" xmlns:a14="http://schemas.microsoft.com/office/drawing/2010/main" w="9525">
                     <a:solidFill>
                       <a:srgbClr val="000000"/>
                     </a:solidFill>
@@ -9290,7 +9296,7 @@
               </a:ln>
               <a:extLst>
                 <a:ext uri="{91240B29-F687-4f45-9708-019B960494DF}">
-                  <a14:hiddenLine xmlns:a14="http://schemas.microsoft.com/office/drawing/2010/main" xmlns="" w="9525">
+                  <a14:hiddenLine xmlns="" xmlns:a14="http://schemas.microsoft.com/office/drawing/2010/main" w="9525">
                     <a:solidFill>
                       <a:srgbClr val="000000"/>
                     </a:solidFill>
@@ -9380,7 +9386,7 @@
               </a:ln>
               <a:extLst>
                 <a:ext uri="{91240B29-F687-4f45-9708-019B960494DF}">
-                  <a14:hiddenLine xmlns:a14="http://schemas.microsoft.com/office/drawing/2010/main" xmlns="" w="9525">
+                  <a14:hiddenLine xmlns="" xmlns:a14="http://schemas.microsoft.com/office/drawing/2010/main" w="9525">
                     <a:solidFill>
                       <a:srgbClr val="000000"/>
                     </a:solidFill>
@@ -9442,7 +9448,7 @@
               </a:ln>
               <a:extLst>
                 <a:ext uri="{91240B29-F687-4f45-9708-019B960494DF}">
-                  <a14:hiddenLine xmlns:a14="http://schemas.microsoft.com/office/drawing/2010/main" xmlns="" w="9525">
+                  <a14:hiddenLine xmlns="" xmlns:a14="http://schemas.microsoft.com/office/drawing/2010/main" w="9525">
                     <a:solidFill>
                       <a:srgbClr val="000000"/>
                     </a:solidFill>
@@ -9504,7 +9510,7 @@
               </a:ln>
               <a:extLst>
                 <a:ext uri="{91240B29-F687-4f45-9708-019B960494DF}">
-                  <a14:hiddenLine xmlns:a14="http://schemas.microsoft.com/office/drawing/2010/main" xmlns="" w="9525">
+                  <a14:hiddenLine xmlns="" xmlns:a14="http://schemas.microsoft.com/office/drawing/2010/main" w="9525">
                     <a:solidFill>
                       <a:srgbClr val="000000"/>
                     </a:solidFill>
@@ -9594,7 +9600,7 @@
               </a:ln>
               <a:extLst>
                 <a:ext uri="{91240B29-F687-4f45-9708-019B960494DF}">
-                  <a14:hiddenLine xmlns:a14="http://schemas.microsoft.com/office/drawing/2010/main" xmlns="" w="9525">
+                  <a14:hiddenLine xmlns="" xmlns:a14="http://schemas.microsoft.com/office/drawing/2010/main" w="9525">
                     <a:solidFill>
                       <a:srgbClr val="000000"/>
                     </a:solidFill>
@@ -9684,7 +9690,7 @@
               </a:ln>
               <a:extLst>
                 <a:ext uri="{91240B29-F687-4f45-9708-019B960494DF}">
-                  <a14:hiddenLine xmlns:a14="http://schemas.microsoft.com/office/drawing/2010/main" xmlns="" w="9525">
+                  <a14:hiddenLine xmlns="" xmlns:a14="http://schemas.microsoft.com/office/drawing/2010/main" w="9525">
                     <a:solidFill>
                       <a:srgbClr val="000000"/>
                     </a:solidFill>
@@ -9746,7 +9752,7 @@
               </a:ln>
               <a:extLst>
                 <a:ext uri="{91240B29-F687-4f45-9708-019B960494DF}">
-                  <a14:hiddenLine xmlns:a14="http://schemas.microsoft.com/office/drawing/2010/main" xmlns="" w="9525">
+                  <a14:hiddenLine xmlns="" xmlns:a14="http://schemas.microsoft.com/office/drawing/2010/main" w="9525">
                     <a:solidFill>
                       <a:srgbClr val="000000"/>
                     </a:solidFill>
@@ -9856,7 +9862,7 @@
               </a:ln>
               <a:extLst>
                 <a:ext uri="{91240B29-F687-4f45-9708-019B960494DF}">
-                  <a14:hiddenLine xmlns:a14="http://schemas.microsoft.com/office/drawing/2010/main" xmlns="" w="9525">
+                  <a14:hiddenLine xmlns="" xmlns:a14="http://schemas.microsoft.com/office/drawing/2010/main" w="9525">
                     <a:solidFill>
                       <a:srgbClr val="000000"/>
                     </a:solidFill>
@@ -9940,7 +9946,7 @@
               </a:ln>
               <a:extLst>
                 <a:ext uri="{91240B29-F687-4f45-9708-019B960494DF}">
-                  <a14:hiddenLine xmlns:a14="http://schemas.microsoft.com/office/drawing/2010/main" xmlns="" w="9525">
+                  <a14:hiddenLine xmlns="" xmlns:a14="http://schemas.microsoft.com/office/drawing/2010/main" w="9525">
                     <a:solidFill>
                       <a:srgbClr val="000000"/>
                     </a:solidFill>
@@ -10002,7 +10008,7 @@
               </a:ln>
               <a:extLst>
                 <a:ext uri="{91240B29-F687-4f45-9708-019B960494DF}">
-                  <a14:hiddenLine xmlns:a14="http://schemas.microsoft.com/office/drawing/2010/main" xmlns="" w="9525">
+                  <a14:hiddenLine xmlns="" xmlns:a14="http://schemas.microsoft.com/office/drawing/2010/main" w="9525">
                     <a:solidFill>
                       <a:srgbClr val="000000"/>
                     </a:solidFill>
@@ -10064,7 +10070,7 @@
               </a:ln>
               <a:extLst>
                 <a:ext uri="{91240B29-F687-4f45-9708-019B960494DF}">
-                  <a14:hiddenLine xmlns:a14="http://schemas.microsoft.com/office/drawing/2010/main" xmlns="" w="9525">
+                  <a14:hiddenLine xmlns="" xmlns:a14="http://schemas.microsoft.com/office/drawing/2010/main" w="9525">
                     <a:solidFill>
                       <a:srgbClr val="000000"/>
                     </a:solidFill>
@@ -10154,7 +10160,7 @@
               </a:ln>
               <a:extLst>
                 <a:ext uri="{91240B29-F687-4f45-9708-019B960494DF}">
-                  <a14:hiddenLine xmlns:a14="http://schemas.microsoft.com/office/drawing/2010/main" xmlns="" w="9525">
+                  <a14:hiddenLine xmlns="" xmlns:a14="http://schemas.microsoft.com/office/drawing/2010/main" w="9525">
                     <a:solidFill>
                       <a:srgbClr val="000000"/>
                     </a:solidFill>
@@ -10188,7 +10194,7 @@
               </a:ln>
               <a:extLst>
                 <a:ext uri="{91240B29-F687-4f45-9708-019B960494DF}">
-                  <a14:hiddenLine xmlns:a14="http://schemas.microsoft.com/office/drawing/2010/main" xmlns="" w="9525">
+                  <a14:hiddenLine xmlns="" xmlns:a14="http://schemas.microsoft.com/office/drawing/2010/main" w="9525">
                     <a:solidFill>
                       <a:srgbClr val="000000"/>
                     </a:solidFill>
@@ -10253,7 +10259,7 @@
               </a:ln>
               <a:extLst>
                 <a:ext uri="{91240B29-F687-4f45-9708-019B960494DF}">
-                  <a14:hiddenLine xmlns:a14="http://schemas.microsoft.com/office/drawing/2010/main" xmlns="" w="9525">
+                  <a14:hiddenLine xmlns="" xmlns:a14="http://schemas.microsoft.com/office/drawing/2010/main" w="9525">
                     <a:solidFill>
                       <a:srgbClr val="000000"/>
                     </a:solidFill>
@@ -10343,7 +10349,7 @@
               </a:ln>
               <a:extLst>
                 <a:ext uri="{91240B29-F687-4f45-9708-019B960494DF}">
-                  <a14:hiddenLine xmlns:a14="http://schemas.microsoft.com/office/drawing/2010/main" xmlns="" w="9525">
+                  <a14:hiddenLine xmlns="" xmlns:a14="http://schemas.microsoft.com/office/drawing/2010/main" w="9525">
                     <a:solidFill>
                       <a:srgbClr val="000000"/>
                     </a:solidFill>
@@ -10405,7 +10411,7 @@
               </a:ln>
               <a:extLst>
                 <a:ext uri="{91240B29-F687-4f45-9708-019B960494DF}">
-                  <a14:hiddenLine xmlns:a14="http://schemas.microsoft.com/office/drawing/2010/main" xmlns="" w="9525">
+                  <a14:hiddenLine xmlns="" xmlns:a14="http://schemas.microsoft.com/office/drawing/2010/main" w="9525">
                     <a:solidFill>
                       <a:srgbClr val="000000"/>
                     </a:solidFill>
@@ -10495,7 +10501,7 @@
               </a:ln>
               <a:extLst>
                 <a:ext uri="{91240B29-F687-4f45-9708-019B960494DF}">
-                  <a14:hiddenLine xmlns:a14="http://schemas.microsoft.com/office/drawing/2010/main" xmlns="" w="9525">
+                  <a14:hiddenLine xmlns="" xmlns:a14="http://schemas.microsoft.com/office/drawing/2010/main" w="9525">
                     <a:solidFill>
                       <a:srgbClr val="000000"/>
                     </a:solidFill>
@@ -10560,7 +10566,7 @@
               </a:ln>
               <a:extLst>
                 <a:ext uri="{91240B29-F687-4f45-9708-019B960494DF}">
-                  <a14:hiddenLine xmlns:a14="http://schemas.microsoft.com/office/drawing/2010/main" xmlns="" w="9525">
+                  <a14:hiddenLine xmlns="" xmlns:a14="http://schemas.microsoft.com/office/drawing/2010/main" w="9525">
                     <a:solidFill>
                       <a:srgbClr val="000000"/>
                     </a:solidFill>
@@ -10622,7 +10628,7 @@
               </a:ln>
               <a:extLst>
                 <a:ext uri="{91240B29-F687-4f45-9708-019B960494DF}">
-                  <a14:hiddenLine xmlns:a14="http://schemas.microsoft.com/office/drawing/2010/main" xmlns="" w="9525">
+                  <a14:hiddenLine xmlns="" xmlns:a14="http://schemas.microsoft.com/office/drawing/2010/main" w="9525">
                     <a:solidFill>
                       <a:srgbClr val="000000"/>
                     </a:solidFill>
@@ -10712,7 +10718,7 @@
               </a:ln>
               <a:extLst>
                 <a:ext uri="{91240B29-F687-4f45-9708-019B960494DF}">
-                  <a14:hiddenLine xmlns:a14="http://schemas.microsoft.com/office/drawing/2010/main" xmlns="" w="9525">
+                  <a14:hiddenLine xmlns="" xmlns:a14="http://schemas.microsoft.com/office/drawing/2010/main" w="9525">
                     <a:solidFill>
                       <a:srgbClr val="000000"/>
                     </a:solidFill>
@@ -10802,7 +10808,7 @@
               </a:ln>
               <a:extLst>
                 <a:ext uri="{91240B29-F687-4f45-9708-019B960494DF}">
-                  <a14:hiddenLine xmlns:a14="http://schemas.microsoft.com/office/drawing/2010/main" xmlns="" w="9525">
+                  <a14:hiddenLine xmlns="" xmlns:a14="http://schemas.microsoft.com/office/drawing/2010/main" w="9525">
                     <a:solidFill>
                       <a:srgbClr val="000000"/>
                     </a:solidFill>
@@ -10867,7 +10873,7 @@
               </a:ln>
               <a:extLst>
                 <a:ext uri="{91240B29-F687-4f45-9708-019B960494DF}">
-                  <a14:hiddenLine xmlns:a14="http://schemas.microsoft.com/office/drawing/2010/main" xmlns="" w="9525">
+                  <a14:hiddenLine xmlns="" xmlns:a14="http://schemas.microsoft.com/office/drawing/2010/main" w="9525">
                     <a:solidFill>
                       <a:srgbClr val="000000"/>
                     </a:solidFill>
@@ -10987,7 +10993,7 @@
               </a:ln>
               <a:extLst>
                 <a:ext uri="{91240B29-F687-4f45-9708-019B960494DF}">
-                  <a14:hiddenLine xmlns:a14="http://schemas.microsoft.com/office/drawing/2010/main" xmlns="" w="9525">
+                  <a14:hiddenLine xmlns="" xmlns:a14="http://schemas.microsoft.com/office/drawing/2010/main" w="9525">
                     <a:solidFill>
                       <a:srgbClr val="000000"/>
                     </a:solidFill>
@@ -11085,7 +11091,7 @@
               </a:ln>
               <a:extLst>
                 <a:ext uri="{91240B29-F687-4f45-9708-019B960494DF}">
-                  <a14:hiddenLine xmlns:a14="http://schemas.microsoft.com/office/drawing/2010/main" xmlns="" w="9525">
+                  <a14:hiddenLine xmlns="" xmlns:a14="http://schemas.microsoft.com/office/drawing/2010/main" w="9525">
                     <a:solidFill>
                       <a:srgbClr val="000000"/>
                     </a:solidFill>
@@ -11200,7 +11206,7 @@
               </a:ln>
               <a:extLst>
                 <a:ext uri="{91240B29-F687-4f45-9708-019B960494DF}">
-                  <a14:hiddenLine xmlns:a14="http://schemas.microsoft.com/office/drawing/2010/main" xmlns="" w="9525">
+                  <a14:hiddenLine xmlns="" xmlns:a14="http://schemas.microsoft.com/office/drawing/2010/main" w="9525">
                     <a:solidFill>
                       <a:srgbClr val="000000"/>
                     </a:solidFill>
@@ -11290,7 +11296,7 @@
               </a:ln>
               <a:extLst>
                 <a:ext uri="{91240B29-F687-4f45-9708-019B960494DF}">
-                  <a14:hiddenLine xmlns:a14="http://schemas.microsoft.com/office/drawing/2010/main" xmlns="" w="9525">
+                  <a14:hiddenLine xmlns="" xmlns:a14="http://schemas.microsoft.com/office/drawing/2010/main" w="9525">
                     <a:solidFill>
                       <a:srgbClr val="000000"/>
                     </a:solidFill>
@@ -11355,7 +11361,7 @@
               </a:ln>
               <a:extLst>
                 <a:ext uri="{91240B29-F687-4f45-9708-019B960494DF}">
-                  <a14:hiddenLine xmlns:a14="http://schemas.microsoft.com/office/drawing/2010/main" xmlns="" w="9525">
+                  <a14:hiddenLine xmlns="" xmlns:a14="http://schemas.microsoft.com/office/drawing/2010/main" w="9525">
                     <a:solidFill>
                       <a:srgbClr val="000000"/>
                     </a:solidFill>
@@ -11445,7 +11451,7 @@
               </a:ln>
               <a:extLst>
                 <a:ext uri="{91240B29-F687-4f45-9708-019B960494DF}">
-                  <a14:hiddenLine xmlns:a14="http://schemas.microsoft.com/office/drawing/2010/main" xmlns="" w="9525">
+                  <a14:hiddenLine xmlns="" xmlns:a14="http://schemas.microsoft.com/office/drawing/2010/main" w="9525">
                     <a:solidFill>
                       <a:srgbClr val="000000"/>
                     </a:solidFill>
@@ -11513,7 +11519,7 @@
               </a:ln>
               <a:extLst>
                 <a:ext uri="{91240B29-F687-4f45-9708-019B960494DF}">
-                  <a14:hiddenLine xmlns:a14="http://schemas.microsoft.com/office/drawing/2010/main" xmlns="" w="9525">
+                  <a14:hiddenLine xmlns="" xmlns:a14="http://schemas.microsoft.com/office/drawing/2010/main" w="9525">
                     <a:solidFill>
                       <a:srgbClr val="000000"/>
                     </a:solidFill>
@@ -11603,7 +11609,7 @@
               </a:ln>
               <a:extLst>
                 <a:ext uri="{91240B29-F687-4f45-9708-019B960494DF}">
-                  <a14:hiddenLine xmlns:a14="http://schemas.microsoft.com/office/drawing/2010/main" xmlns="" w="9525">
+                  <a14:hiddenLine xmlns="" xmlns:a14="http://schemas.microsoft.com/office/drawing/2010/main" w="9525">
                     <a:solidFill>
                       <a:srgbClr val="000000"/>
                     </a:solidFill>
@@ -11671,7 +11677,7 @@
               </a:ln>
               <a:extLst>
                 <a:ext uri="{91240B29-F687-4f45-9708-019B960494DF}">
-                  <a14:hiddenLine xmlns:a14="http://schemas.microsoft.com/office/drawing/2010/main" xmlns="" w="9525">
+                  <a14:hiddenLine xmlns="" xmlns:a14="http://schemas.microsoft.com/office/drawing/2010/main" w="9525">
                     <a:solidFill>
                       <a:srgbClr val="000000"/>
                     </a:solidFill>
@@ -11761,7 +11767,7 @@
               </a:ln>
               <a:extLst>
                 <a:ext uri="{91240B29-F687-4f45-9708-019B960494DF}">
-                  <a14:hiddenLine xmlns:a14="http://schemas.microsoft.com/office/drawing/2010/main" xmlns="" w="9525">
+                  <a14:hiddenLine xmlns="" xmlns:a14="http://schemas.microsoft.com/office/drawing/2010/main" w="9525">
                     <a:solidFill>
                       <a:srgbClr val="000000"/>
                     </a:solidFill>
@@ -11795,7 +11801,7 @@
               </a:ln>
               <a:extLst>
                 <a:ext uri="{91240B29-F687-4f45-9708-019B960494DF}">
-                  <a14:hiddenLine xmlns:a14="http://schemas.microsoft.com/office/drawing/2010/main" xmlns="" w="9525">
+                  <a14:hiddenLine xmlns="" xmlns:a14="http://schemas.microsoft.com/office/drawing/2010/main" w="9525">
                     <a:solidFill>
                       <a:srgbClr val="000000"/>
                     </a:solidFill>
@@ -11936,7 +11942,7 @@
             <a:fld id="{48A87A34-81AB-432B-8DAE-1953F412C126}" type="datetimeFigureOut">
               <a:rPr lang="en-US" dirty="0"/>
               <a:pPr/>
-              <a:t>12/5/2018</a:t>
+              <a:t>12/7/2018</a:t>
             </a:fld>
             <a:endParaRPr lang="en-US" dirty="0"/>
           </a:p>
@@ -12445,6 +12451,90 @@
           <a:p>
             <a:r>
               <a:rPr lang="es-MX" dirty="0" err="1" smtClean="0"/>
+              <a:t>Cloudwatch</a:t>
+            </a:r>
+            <a:r>
+              <a:rPr lang="es-MX" dirty="0" smtClean="0"/>
+              <a:t> </a:t>
+            </a:r>
+            <a:r>
+              <a:rPr lang="es-MX" dirty="0" err="1" smtClean="0"/>
+              <a:t>logs</a:t>
+            </a:r>
+            <a:endParaRPr lang="es-MX" dirty="0"/>
+          </a:p>
+        </p:txBody>
+      </p:sp>
+      <p:pic>
+        <p:nvPicPr>
+          <p:cNvPr id="4" name="Imagen 3"/>
+          <p:cNvPicPr>
+            <a:picLocks noChangeAspect="1"/>
+          </p:cNvPicPr>
+          <p:nvPr/>
+        </p:nvPicPr>
+        <p:blipFill rotWithShape="1">
+          <a:blip r:embed="rId2"/>
+          <a:srcRect l="10586" t="28126" r="1182" b="7721"/>
+          <a:stretch/>
+        </p:blipFill>
+        <p:spPr>
+          <a:xfrm>
+            <a:off x="1141413" y="1802673"/>
+            <a:ext cx="9773192" cy="3997235"/>
+          </a:xfrm>
+          <a:prstGeom prst="rect">
+            <a:avLst/>
+          </a:prstGeom>
+        </p:spPr>
+      </p:pic>
+    </p:spTree>
+    <p:extLst>
+      <p:ext uri="{BB962C8B-B14F-4D97-AF65-F5344CB8AC3E}">
+        <p14:creationId xmlns:p14="http://schemas.microsoft.com/office/powerpoint/2010/main" val="2804144329"/>
+      </p:ext>
+    </p:extLst>
+  </p:cSld>
+  <p:clrMapOvr>
+    <a:masterClrMapping/>
+  </p:clrMapOvr>
+</p:sld>
+</file>
+
+<file path=ppt/slides/slide11.xml><?xml version="1.0" encoding="utf-8"?>
+<p:sld xmlns:a="http://schemas.openxmlformats.org/drawingml/2006/main" xmlns:r="http://schemas.openxmlformats.org/officeDocument/2006/relationships" xmlns:p="http://schemas.openxmlformats.org/presentationml/2006/main">
+  <p:cSld>
+    <p:spTree>
+      <p:nvGrpSpPr>
+        <p:cNvPr id="1" name=""/>
+        <p:cNvGrpSpPr/>
+        <p:nvPr/>
+      </p:nvGrpSpPr>
+      <p:grpSpPr>
+        <a:xfrm>
+          <a:off x="0" y="0"/>
+          <a:ext cx="0" cy="0"/>
+          <a:chOff x="0" y="0"/>
+          <a:chExt cx="0" cy="0"/>
+        </a:xfrm>
+      </p:grpSpPr>
+      <p:sp>
+        <p:nvSpPr>
+          <p:cNvPr id="2" name="Título 1"/>
+          <p:cNvSpPr>
+            <a:spLocks noGrp="1"/>
+          </p:cNvSpPr>
+          <p:nvPr>
+            <p:ph type="title"/>
+          </p:nvPr>
+        </p:nvSpPr>
+        <p:spPr/>
+        <p:txBody>
+          <a:bodyPr/>
+          <a:lstStyle/>
+          <a:p>
+            <a:r>
+              <a:rPr lang="es-MX" dirty="0" err="1" smtClean="0"/>
               <a:t>Mockups</a:t>
             </a:r>
             <a:endParaRPr lang="es-MX" dirty="0"/>
@@ -12963,7 +13053,6 @@
               <a:rPr lang="es-MX" sz="2400" dirty="0"/>
               <a:t>: https://github.com/fernanda-rocha/JuegoGato</a:t>
             </a:r>
-            <a:endParaRPr lang="es-MX" sz="2400" dirty="0"/>
           </a:p>
           <a:p>
             <a:pPr marL="0" indent="0">
@@ -13278,31 +13367,25 @@
       </p:sp>
       <p:pic>
         <p:nvPicPr>
-          <p:cNvPr id="4" name="Imagen 3"/>
-          <p:cNvPicPr/>
+          <p:cNvPr id="3" name="Imagen 2"/>
+          <p:cNvPicPr>
+            <a:picLocks noChangeAspect="1"/>
+          </p:cNvPicPr>
           <p:nvPr/>
         </p:nvPicPr>
         <p:blipFill rotWithShape="1">
           <a:blip r:embed="rId2"/>
-          <a:srcRect l="3666" t="16416" r="4684" b="10440"/>
+          <a:srcRect l="2634" t="11113" r="16346" b="10234"/>
           <a:stretch/>
         </p:blipFill>
-        <p:spPr bwMode="auto">
+        <p:spPr>
           <a:xfrm>
-            <a:off x="2070088" y="1840773"/>
-            <a:ext cx="8048647" cy="4246518"/>
+            <a:off x="2031863" y="1654630"/>
+            <a:ext cx="8125097" cy="4436850"/>
           </a:xfrm>
           <a:prstGeom prst="rect">
             <a:avLst/>
           </a:prstGeom>
-          <a:ln>
-            <a:noFill/>
-          </a:ln>
-          <a:extLst>
-            <a:ext uri="{53640926-AAD7-44D8-BBD7-CCE9431645EC}">
-              <a14:shadowObscured xmlns:a14="http://schemas.microsoft.com/office/drawing/2010/main"/>
-            </a:ext>
-          </a:extLst>
         </p:spPr>
       </p:pic>
     </p:spTree>
@@ -13335,64 +13418,39 @@
           <a:chExt cx="0" cy="0"/>
         </a:xfrm>
       </p:grpSpPr>
-      <p:sp>
-        <p:nvSpPr>
-          <p:cNvPr id="2" name="Título 1"/>
-          <p:cNvSpPr>
-            <a:spLocks noGrp="1"/>
-          </p:cNvSpPr>
-          <p:nvPr>
-            <p:ph type="title"/>
-          </p:nvPr>
-        </p:nvSpPr>
-        <p:spPr/>
-        <p:txBody>
-          <a:bodyPr/>
-          <a:lstStyle/>
-          <a:p>
-            <a:r>
-              <a:rPr lang="es-MX" dirty="0" err="1" smtClean="0"/>
-              <a:t>Cloudwatch</a:t>
-            </a:r>
-            <a:r>
-              <a:rPr lang="es-MX" dirty="0" smtClean="0"/>
-              <a:t> </a:t>
-            </a:r>
-            <a:r>
-              <a:rPr lang="es-MX" dirty="0" err="1" smtClean="0"/>
-              <a:t>logs</a:t>
-            </a:r>
-            <a:endParaRPr lang="es-MX" dirty="0"/>
-          </a:p>
-        </p:txBody>
-      </p:sp>
       <p:pic>
         <p:nvPicPr>
           <p:cNvPr id="4" name="Imagen 3"/>
-          <p:cNvPicPr>
-            <a:picLocks noChangeAspect="1"/>
-          </p:cNvPicPr>
+          <p:cNvPicPr/>
           <p:nvPr/>
         </p:nvPicPr>
         <p:blipFill rotWithShape="1">
           <a:blip r:embed="rId2"/>
-          <a:srcRect l="10586" t="28126" r="1182" b="7721"/>
+          <a:srcRect l="3666" t="16416" r="4684" b="10440"/>
           <a:stretch/>
         </p:blipFill>
-        <p:spPr>
+        <p:spPr bwMode="auto">
           <a:xfrm>
-            <a:off x="1141413" y="1802673"/>
-            <a:ext cx="9773192" cy="3997235"/>
+            <a:off x="1808831" y="844731"/>
+            <a:ext cx="8719832" cy="5172891"/>
           </a:xfrm>
           <a:prstGeom prst="rect">
             <a:avLst/>
           </a:prstGeom>
+          <a:ln>
+            <a:noFill/>
+          </a:ln>
+          <a:extLst>
+            <a:ext uri="{53640926-AAD7-44D8-BBD7-CCE9431645EC}">
+              <a14:shadowObscured xmlns:a14="http://schemas.microsoft.com/office/drawing/2010/main"/>
+            </a:ext>
+          </a:extLst>
         </p:spPr>
       </p:pic>
     </p:spTree>
     <p:extLst>
       <p:ext uri="{BB962C8B-B14F-4D97-AF65-F5344CB8AC3E}">
-        <p14:creationId xmlns:p14="http://schemas.microsoft.com/office/powerpoint/2010/main" val="2804144329"/>
+        <p14:creationId xmlns:p14="http://schemas.microsoft.com/office/powerpoint/2010/main" val="3856324688"/>
       </p:ext>
     </p:extLst>
   </p:cSld>
